--- a/3d models/__Aflame.pptx
+++ b/3d models/__Aflame.pptx
@@ -198,7 +198,7 @@
           <a:p>
             <a:fld id="{E5742A41-E671-4430-BD11-9C70C9E0B339}" type="datetimeFigureOut">
               <a:rPr lang="en-CA" smtClean="0"/>
-              <a:t>2025-05-16</a:t>
+              <a:t>2025-05-17</a:t>
             </a:fld>
             <a:endParaRPr lang="en-CA"/>
           </a:p>
@@ -597,7 +597,7 @@
           <a:p>
             <a:fld id="{E174D934-5F45-4F20-9FDF-AE6396442B39}" type="datetimeFigureOut">
               <a:rPr lang="en-CA" smtClean="0"/>
-              <a:t>2025-05-16</a:t>
+              <a:t>2025-05-17</a:t>
             </a:fld>
             <a:endParaRPr lang="en-CA"/>
           </a:p>
@@ -767,7 +767,7 @@
           <a:p>
             <a:fld id="{E174D934-5F45-4F20-9FDF-AE6396442B39}" type="datetimeFigureOut">
               <a:rPr lang="en-CA" smtClean="0"/>
-              <a:t>2025-05-16</a:t>
+              <a:t>2025-05-17</a:t>
             </a:fld>
             <a:endParaRPr lang="en-CA"/>
           </a:p>
@@ -947,7 +947,7 @@
           <a:p>
             <a:fld id="{E174D934-5F45-4F20-9FDF-AE6396442B39}" type="datetimeFigureOut">
               <a:rPr lang="en-CA" smtClean="0"/>
-              <a:t>2025-05-16</a:t>
+              <a:t>2025-05-17</a:t>
             </a:fld>
             <a:endParaRPr lang="en-CA"/>
           </a:p>
@@ -1117,7 +1117,7 @@
           <a:p>
             <a:fld id="{E174D934-5F45-4F20-9FDF-AE6396442B39}" type="datetimeFigureOut">
               <a:rPr lang="en-CA" smtClean="0"/>
-              <a:t>2025-05-16</a:t>
+              <a:t>2025-05-17</a:t>
             </a:fld>
             <a:endParaRPr lang="en-CA"/>
           </a:p>
@@ -1363,7 +1363,7 @@
           <a:p>
             <a:fld id="{E174D934-5F45-4F20-9FDF-AE6396442B39}" type="datetimeFigureOut">
               <a:rPr lang="en-CA" smtClean="0"/>
-              <a:t>2025-05-16</a:t>
+              <a:t>2025-05-17</a:t>
             </a:fld>
             <a:endParaRPr lang="en-CA"/>
           </a:p>
@@ -1595,7 +1595,7 @@
           <a:p>
             <a:fld id="{E174D934-5F45-4F20-9FDF-AE6396442B39}" type="datetimeFigureOut">
               <a:rPr lang="en-CA" smtClean="0"/>
-              <a:t>2025-05-16</a:t>
+              <a:t>2025-05-17</a:t>
             </a:fld>
             <a:endParaRPr lang="en-CA"/>
           </a:p>
@@ -1962,7 +1962,7 @@
           <a:p>
             <a:fld id="{E174D934-5F45-4F20-9FDF-AE6396442B39}" type="datetimeFigureOut">
               <a:rPr lang="en-CA" smtClean="0"/>
-              <a:t>2025-05-16</a:t>
+              <a:t>2025-05-17</a:t>
             </a:fld>
             <a:endParaRPr lang="en-CA"/>
           </a:p>
@@ -2080,7 +2080,7 @@
           <a:p>
             <a:fld id="{E174D934-5F45-4F20-9FDF-AE6396442B39}" type="datetimeFigureOut">
               <a:rPr lang="en-CA" smtClean="0"/>
-              <a:t>2025-05-16</a:t>
+              <a:t>2025-05-17</a:t>
             </a:fld>
             <a:endParaRPr lang="en-CA"/>
           </a:p>
@@ -2175,7 +2175,7 @@
           <a:p>
             <a:fld id="{E174D934-5F45-4F20-9FDF-AE6396442B39}" type="datetimeFigureOut">
               <a:rPr lang="en-CA" smtClean="0"/>
-              <a:t>2025-05-16</a:t>
+              <a:t>2025-05-17</a:t>
             </a:fld>
             <a:endParaRPr lang="en-CA"/>
           </a:p>
@@ -2452,7 +2452,7 @@
           <a:p>
             <a:fld id="{E174D934-5F45-4F20-9FDF-AE6396442B39}" type="datetimeFigureOut">
               <a:rPr lang="en-CA" smtClean="0"/>
-              <a:t>2025-05-16</a:t>
+              <a:t>2025-05-17</a:t>
             </a:fld>
             <a:endParaRPr lang="en-CA"/>
           </a:p>
@@ -2709,7 +2709,7 @@
           <a:p>
             <a:fld id="{E174D934-5F45-4F20-9FDF-AE6396442B39}" type="datetimeFigureOut">
               <a:rPr lang="en-CA" smtClean="0"/>
-              <a:t>2025-05-16</a:t>
+              <a:t>2025-05-17</a:t>
             </a:fld>
             <a:endParaRPr lang="en-CA"/>
           </a:p>
@@ -2922,7 +2922,7 @@
           <a:p>
             <a:fld id="{E174D934-5F45-4F20-9FDF-AE6396442B39}" type="datetimeFigureOut">
               <a:rPr lang="en-CA" smtClean="0"/>
-              <a:t>2025-05-16</a:t>
+              <a:t>2025-05-17</a:t>
             </a:fld>
             <a:endParaRPr lang="en-CA"/>
           </a:p>
@@ -3410,7 +3410,7 @@
       </p:pic>
       <p:pic>
         <p:nvPicPr>
-          <p:cNvPr id="7" name="Picture 5">
+          <p:cNvPr id="7" name="3">
             <a:extLst>
               <a:ext uri="{FF2B5EF4-FFF2-40B4-BE49-F238E27FC236}">
                 <a16:creationId xmlns:a16="http://schemas.microsoft.com/office/drawing/2014/main" id="{A3E0B0DF-5721-0543-F743-458BB8CA9F7B}"/>
@@ -3471,6 +3471,132 @@
   <p:clrMapOvr>
     <a:masterClrMapping/>
   </p:clrMapOvr>
+  <mc:AlternateContent xmlns:mc="http://schemas.openxmlformats.org/markup-compatibility/2006" xmlns:p14="http://schemas.microsoft.com/office/powerpoint/2010/main">
+    <mc:Choice Requires="p14">
+      <p:transition spd="slow" p14:dur="3000"/>
+    </mc:Choice>
+    <mc:Fallback xmlns="">
+      <p:transition spd="slow"/>
+    </mc:Fallback>
+  </mc:AlternateContent>
+  <p:timing>
+    <p:tnLst>
+      <p:par>
+        <p:cTn id="1" dur="indefinite" restart="never" nodeType="tmRoot">
+          <p:childTnLst>
+            <p:seq concurrent="1" nextAc="seek">
+              <p:cTn id="2" dur="indefinite" nodeType="mainSeq">
+                <p:childTnLst>
+                  <p:par>
+                    <p:cTn id="3" fill="hold">
+                      <p:stCondLst>
+                        <p:cond delay="indefinite"/>
+                      </p:stCondLst>
+                      <p:childTnLst>
+                        <p:par>
+                          <p:cTn id="4" fill="hold">
+                            <p:stCondLst>
+                              <p:cond delay="0"/>
+                            </p:stCondLst>
+                            <p:childTnLst>
+                              <p:par>
+                                <p:cTn id="5" presetID="6" presetClass="entr" presetSubtype="16" fill="hold" nodeType="clickEffect">
+                                  <p:stCondLst>
+                                    <p:cond delay="0"/>
+                                  </p:stCondLst>
+                                  <p:childTnLst>
+                                    <p:set>
+                                      <p:cBhvr>
+                                        <p:cTn id="6" dur="1" fill="hold">
+                                          <p:stCondLst>
+                                            <p:cond delay="0"/>
+                                          </p:stCondLst>
+                                        </p:cTn>
+                                        <p:tgtEl>
+                                          <p:spTgt spid="1029"/>
+                                        </p:tgtEl>
+                                        <p:attrNameLst>
+                                          <p:attrName>style.visibility</p:attrName>
+                                        </p:attrNameLst>
+                                      </p:cBhvr>
+                                      <p:to>
+                                        <p:strVal val="visible"/>
+                                      </p:to>
+                                    </p:set>
+                                    <p:animEffect transition="in" filter="circle(in)">
+                                      <p:cBhvr>
+                                        <p:cTn id="7" dur="700"/>
+                                        <p:tgtEl>
+                                          <p:spTgt spid="1029"/>
+                                        </p:tgtEl>
+                                      </p:cBhvr>
+                                    </p:animEffect>
+                                  </p:childTnLst>
+                                </p:cTn>
+                              </p:par>
+                              <p:par>
+                                <p:cTn id="8" presetID="6" presetClass="entr" presetSubtype="16" fill="hold" nodeType="withEffect">
+                                  <p:stCondLst>
+                                    <p:cond delay="0"/>
+                                  </p:stCondLst>
+                                  <p:childTnLst>
+                                    <p:set>
+                                      <p:cBhvr>
+                                        <p:cTn id="9" dur="1" fill="hold">
+                                          <p:stCondLst>
+                                            <p:cond delay="0"/>
+                                          </p:stCondLst>
+                                        </p:cTn>
+                                        <p:tgtEl>
+                                          <p:spTgt spid="7"/>
+                                        </p:tgtEl>
+                                        <p:attrNameLst>
+                                          <p:attrName>style.visibility</p:attrName>
+                                        </p:attrNameLst>
+                                      </p:cBhvr>
+                                      <p:to>
+                                        <p:strVal val="visible"/>
+                                      </p:to>
+                                    </p:set>
+                                    <p:animEffect transition="in" filter="circle(in)">
+                                      <p:cBhvr>
+                                        <p:cTn id="10" dur="3000"/>
+                                        <p:tgtEl>
+                                          <p:spTgt spid="7"/>
+                                        </p:tgtEl>
+                                      </p:cBhvr>
+                                    </p:animEffect>
+                                  </p:childTnLst>
+                                </p:cTn>
+                              </p:par>
+                            </p:childTnLst>
+                          </p:cTn>
+                        </p:par>
+                      </p:childTnLst>
+                    </p:cTn>
+                  </p:par>
+                </p:childTnLst>
+              </p:cTn>
+              <p:prevCondLst>
+                <p:cond evt="onPrev" delay="0">
+                  <p:tgtEl>
+                    <p:sldTgt/>
+                  </p:tgtEl>
+                </p:cond>
+              </p:prevCondLst>
+              <p:nextCondLst>
+                <p:cond evt="onNext" delay="0">
+                  <p:tgtEl>
+                    <p:sldTgt/>
+                  </p:tgtEl>
+                </p:cond>
+              </p:nextCondLst>
+            </p:seq>
+          </p:childTnLst>
+        </p:cTn>
+      </p:par>
+    </p:tnLst>
+  </p:timing>
 </p:sld>
 </file>
 
